--- a/documents/presontation.pptx
+++ b/documents/presontation.pptx
@@ -1181,7 +1181,7 @@
           <a:p>
             <a:fld id="{2A630E2C-305C-4027-BD8C-4A7E78B9954E}" type="datetimeFigureOut">
               <a:rPr lang="en-US" smtClean="0"/>
-              <a:t>5/18/2022</a:t>
+              <a:t>5/26/2022</a:t>
             </a:fld>
             <a:endParaRPr lang="en-US"/>
           </a:p>
@@ -1379,7 +1379,7 @@
           <a:p>
             <a:fld id="{2A630E2C-305C-4027-BD8C-4A7E78B9954E}" type="datetimeFigureOut">
               <a:rPr lang="en-US" smtClean="0"/>
-              <a:t>5/18/2022</a:t>
+              <a:t>5/26/2022</a:t>
             </a:fld>
             <a:endParaRPr lang="en-US"/>
           </a:p>
@@ -1587,7 +1587,7 @@
           <a:p>
             <a:fld id="{2A630E2C-305C-4027-BD8C-4A7E78B9954E}" type="datetimeFigureOut">
               <a:rPr lang="en-US" smtClean="0"/>
-              <a:t>5/18/2022</a:t>
+              <a:t>5/26/2022</a:t>
             </a:fld>
             <a:endParaRPr lang="en-US"/>
           </a:p>
@@ -1785,7 +1785,7 @@
           <a:p>
             <a:fld id="{2A630E2C-305C-4027-BD8C-4A7E78B9954E}" type="datetimeFigureOut">
               <a:rPr lang="en-US" smtClean="0"/>
-              <a:t>5/18/2022</a:t>
+              <a:t>5/26/2022</a:t>
             </a:fld>
             <a:endParaRPr lang="en-US"/>
           </a:p>
@@ -2060,7 +2060,7 @@
           <a:p>
             <a:fld id="{2A630E2C-305C-4027-BD8C-4A7E78B9954E}" type="datetimeFigureOut">
               <a:rPr lang="en-US" smtClean="0"/>
-              <a:t>5/18/2022</a:t>
+              <a:t>5/26/2022</a:t>
             </a:fld>
             <a:endParaRPr lang="en-US"/>
           </a:p>
@@ -2325,7 +2325,7 @@
           <a:p>
             <a:fld id="{2A630E2C-305C-4027-BD8C-4A7E78B9954E}" type="datetimeFigureOut">
               <a:rPr lang="en-US" smtClean="0"/>
-              <a:t>5/18/2022</a:t>
+              <a:t>5/26/2022</a:t>
             </a:fld>
             <a:endParaRPr lang="en-US"/>
           </a:p>
@@ -2737,7 +2737,7 @@
           <a:p>
             <a:fld id="{2A630E2C-305C-4027-BD8C-4A7E78B9954E}" type="datetimeFigureOut">
               <a:rPr lang="en-US" smtClean="0"/>
-              <a:t>5/18/2022</a:t>
+              <a:t>5/26/2022</a:t>
             </a:fld>
             <a:endParaRPr lang="en-US"/>
           </a:p>
@@ -2878,7 +2878,7 @@
           <a:p>
             <a:fld id="{2A630E2C-305C-4027-BD8C-4A7E78B9954E}" type="datetimeFigureOut">
               <a:rPr lang="en-US" smtClean="0"/>
-              <a:t>5/18/2022</a:t>
+              <a:t>5/26/2022</a:t>
             </a:fld>
             <a:endParaRPr lang="en-US"/>
           </a:p>
@@ -2991,7 +2991,7 @@
           <a:p>
             <a:fld id="{2A630E2C-305C-4027-BD8C-4A7E78B9954E}" type="datetimeFigureOut">
               <a:rPr lang="en-US" smtClean="0"/>
-              <a:t>5/18/2022</a:t>
+              <a:t>5/26/2022</a:t>
             </a:fld>
             <a:endParaRPr lang="en-US"/>
           </a:p>
@@ -3302,7 +3302,7 @@
           <a:p>
             <a:fld id="{2A630E2C-305C-4027-BD8C-4A7E78B9954E}" type="datetimeFigureOut">
               <a:rPr lang="en-US" smtClean="0"/>
-              <a:t>5/18/2022</a:t>
+              <a:t>5/26/2022</a:t>
             </a:fld>
             <a:endParaRPr lang="en-US"/>
           </a:p>
@@ -3590,7 +3590,7 @@
           <a:p>
             <a:fld id="{2A630E2C-305C-4027-BD8C-4A7E78B9954E}" type="datetimeFigureOut">
               <a:rPr lang="en-US" smtClean="0"/>
-              <a:t>5/18/2022</a:t>
+              <a:t>5/26/2022</a:t>
             </a:fld>
             <a:endParaRPr lang="en-US"/>
           </a:p>
@@ -3831,7 +3831,7 @@
           <a:p>
             <a:fld id="{2A630E2C-305C-4027-BD8C-4A7E78B9954E}" type="datetimeFigureOut">
               <a:rPr lang="en-US" smtClean="0"/>
-              <a:t>5/18/2022</a:t>
+              <a:t>5/26/2022</a:t>
             </a:fld>
             <a:endParaRPr lang="en-US"/>
           </a:p>
@@ -14349,7 +14349,7 @@
                 <a:latin typeface="Arial" panose="020B0604020202020204" pitchFamily="34" charset="0"/>
                 <a:cs typeface="Arial" panose="020B0604020202020204" pitchFamily="34" charset="0"/>
               </a:rPr>
-              <a:t>But-at-all có 12 / 30 dự đoán đúng</a:t>
+              <a:t>All-but-one có 12 / 30 dự đoán đúng</a:t>
             </a:r>
           </a:p>
         </p:txBody>
@@ -15187,7 +15187,7 @@
                 <a:latin typeface="Arial" panose="020B0604020202020204" pitchFamily="34" charset="0"/>
                 <a:cs typeface="Arial" panose="020B0604020202020204" pitchFamily="34" charset="0"/>
               </a:rPr>
-              <a:t> Đánh giá độ chính xác bằng phương pháp Given-N và but-at-all</a:t>
+              <a:t> Đánh giá độ chính xác bằng phương pháp Given-N và all-but-one</a:t>
             </a:r>
             <a:endParaRPr lang="en-US" sz="2000" b="1">
               <a:solidFill>
